--- a/project/poster.pptx
+++ b/project/poster.pptx
@@ -4972,7 +4972,7 @@
               <a:graphicData uri="http://schemas.openxmlformats.org/presentationml/2006/ole">
                 <mc:AlternateContent xmlns:mc="http://schemas.openxmlformats.org/markup-compatibility/2006">
                   <mc:Choice xmlns:v="urn:schemas-microsoft-com:vml" Requires="v">
-                    <p:oleObj spid="_x0000_s1156" name="Image" r:id="rId8" imgW="1828440" imgH="1117440" progId="Photoshop.Image.13">
+                    <p:oleObj spid="_x0000_s1168" name="Image" r:id="rId8" imgW="1828440" imgH="1117440" progId="Photoshop.Image.13">
                       <p:embed/>
                     </p:oleObj>
                   </mc:Choice>
@@ -5029,7 +5029,7 @@
               <a:graphicData uri="http://schemas.openxmlformats.org/presentationml/2006/ole">
                 <mc:AlternateContent xmlns:mc="http://schemas.openxmlformats.org/markup-compatibility/2006">
                   <mc:Choice xmlns:v="urn:schemas-microsoft-com:vml" Requires="v">
-                    <p:oleObj spid="_x0000_s1157" name="Image" r:id="rId10" imgW="1828440" imgH="1117440" progId="Photoshop.Image.13">
+                    <p:oleObj spid="_x0000_s1169" name="Image" r:id="rId10" imgW="1828440" imgH="1117440" progId="Photoshop.Image.13">
                       <p:embed/>
                     </p:oleObj>
                   </mc:Choice>
@@ -6152,7 +6152,7 @@
             <a:graphicData uri="http://schemas.openxmlformats.org/presentationml/2006/ole">
               <mc:AlternateContent xmlns:mc="http://schemas.openxmlformats.org/markup-compatibility/2006">
                 <mc:Choice xmlns:v="urn:schemas-microsoft-com:vml" Requires="v">
-                  <p:oleObj spid="_x0000_s1158" name="Image" r:id="rId12" imgW="4571280" imgH="1688760" progId="Photoshop.Image.13">
+                  <p:oleObj spid="_x0000_s1170" name="Image" r:id="rId12" imgW="4571280" imgH="1688760" progId="Photoshop.Image.13">
                     <p:embed/>
                   </p:oleObj>
                 </mc:Choice>
@@ -6236,7 +6236,7 @@
             <a:graphicData uri="http://schemas.openxmlformats.org/presentationml/2006/ole">
               <mc:AlternateContent xmlns:mc="http://schemas.openxmlformats.org/markup-compatibility/2006">
                 <mc:Choice xmlns:v="urn:schemas-microsoft-com:vml" Requires="v">
-                  <p:oleObj spid="_x0000_s1159" name="Image" r:id="rId15" imgW="1574280" imgH="1053720" progId="Photoshop.Image.13">
+                  <p:oleObj spid="_x0000_s1171" name="Image" r:id="rId15" imgW="1574280" imgH="1053720" progId="Photoshop.Image.13">
                     <p:embed/>
                   </p:oleObj>
                 </mc:Choice>
@@ -12278,7 +12278,7 @@
             <a:graphicData uri="http://schemas.openxmlformats.org/presentationml/2006/ole">
               <mc:AlternateContent xmlns:mc="http://schemas.openxmlformats.org/markup-compatibility/2006">
                 <mc:Choice xmlns:v="urn:schemas-microsoft-com:vml" Requires="v">
-                  <p:oleObj spid="_x0000_s2164" name="Image" r:id="rId4" imgW="4571280" imgH="1688760" progId="Photoshop.Image.13">
+                  <p:oleObj spid="_x0000_s2176" name="Image" r:id="rId4" imgW="4571280" imgH="1688760" progId="Photoshop.Image.13">
                     <p:embed/>
                   </p:oleObj>
                 </mc:Choice>
@@ -12362,7 +12362,7 @@
             <a:graphicData uri="http://schemas.openxmlformats.org/presentationml/2006/ole">
               <mc:AlternateContent xmlns:mc="http://schemas.openxmlformats.org/markup-compatibility/2006">
                 <mc:Choice xmlns:v="urn:schemas-microsoft-com:vml" Requires="v">
-                  <p:oleObj spid="_x0000_s2165" name="Image" r:id="rId7" imgW="1574280" imgH="1053720" progId="Photoshop.Image.13">
+                  <p:oleObj spid="_x0000_s2177" name="Image" r:id="rId7" imgW="1574280" imgH="1053720" progId="Photoshop.Image.13">
                     <p:embed/>
                   </p:oleObj>
                 </mc:Choice>
@@ -13871,7 +13871,7 @@
               <a:graphicData uri="http://schemas.openxmlformats.org/presentationml/2006/ole">
                 <mc:AlternateContent xmlns:mc="http://schemas.openxmlformats.org/markup-compatibility/2006">
                   <mc:Choice xmlns:v="urn:schemas-microsoft-com:vml" Requires="v">
-                    <p:oleObj spid="_x0000_s2166" name="Image" r:id="rId15" imgW="1828440" imgH="1117440" progId="Photoshop.Image.13">
+                    <p:oleObj spid="_x0000_s2178" name="Image" r:id="rId15" imgW="1828440" imgH="1117440" progId="Photoshop.Image.13">
                       <p:embed/>
                     </p:oleObj>
                   </mc:Choice>
@@ -13928,7 +13928,7 @@
               <a:graphicData uri="http://schemas.openxmlformats.org/presentationml/2006/ole">
                 <mc:AlternateContent xmlns:mc="http://schemas.openxmlformats.org/markup-compatibility/2006">
                   <mc:Choice xmlns:v="urn:schemas-microsoft-com:vml" Requires="v">
-                    <p:oleObj spid="_x0000_s2167" name="Image" r:id="rId17" imgW="1828440" imgH="1117440" progId="Photoshop.Image.13">
+                    <p:oleObj spid="_x0000_s2179" name="Image" r:id="rId17" imgW="1828440" imgH="1117440" progId="Photoshop.Image.13">
                       <p:embed/>
                     </p:oleObj>
                   </mc:Choice>
@@ -19848,7 +19848,7 @@
             <a:graphicData uri="http://schemas.openxmlformats.org/presentationml/2006/ole">
               <mc:AlternateContent xmlns:mc="http://schemas.openxmlformats.org/markup-compatibility/2006">
                 <mc:Choice xmlns:v="urn:schemas-microsoft-com:vml" Requires="v">
-                  <p:oleObj spid="_x0000_s3184" name="Image" r:id="rId4" imgW="4571280" imgH="1688760" progId="Photoshop.Image.13">
+                  <p:oleObj spid="_x0000_s3196" name="Image" r:id="rId4" imgW="4571280" imgH="1688760" progId="Photoshop.Image.13">
                     <p:embed/>
                   </p:oleObj>
                 </mc:Choice>
@@ -19932,7 +19932,7 @@
             <a:graphicData uri="http://schemas.openxmlformats.org/presentationml/2006/ole">
               <mc:AlternateContent xmlns:mc="http://schemas.openxmlformats.org/markup-compatibility/2006">
                 <mc:Choice xmlns:v="urn:schemas-microsoft-com:vml" Requires="v">
-                  <p:oleObj spid="_x0000_s3185" name="Image" r:id="rId7" imgW="1574280" imgH="1053720" progId="Photoshop.Image.13">
+                  <p:oleObj spid="_x0000_s3197" name="Image" r:id="rId7" imgW="1574280" imgH="1053720" progId="Photoshop.Image.13">
                     <p:embed/>
                   </p:oleObj>
                 </mc:Choice>
@@ -21441,7 +21441,7 @@
               <a:graphicData uri="http://schemas.openxmlformats.org/presentationml/2006/ole">
                 <mc:AlternateContent xmlns:mc="http://schemas.openxmlformats.org/markup-compatibility/2006">
                   <mc:Choice xmlns:v="urn:schemas-microsoft-com:vml" Requires="v">
-                    <p:oleObj spid="_x0000_s3186" name="Image" r:id="rId15" imgW="1828440" imgH="1117440" progId="Photoshop.Image.13">
+                    <p:oleObj spid="_x0000_s3198" name="Image" r:id="rId15" imgW="1828440" imgH="1117440" progId="Photoshop.Image.13">
                       <p:embed/>
                     </p:oleObj>
                   </mc:Choice>
@@ -21498,7 +21498,7 @@
               <a:graphicData uri="http://schemas.openxmlformats.org/presentationml/2006/ole">
                 <mc:AlternateContent xmlns:mc="http://schemas.openxmlformats.org/markup-compatibility/2006">
                   <mc:Choice xmlns:v="urn:schemas-microsoft-com:vml" Requires="v">
-                    <p:oleObj spid="_x0000_s3187" name="Image" r:id="rId17" imgW="1828440" imgH="1117440" progId="Photoshop.Image.13">
+                    <p:oleObj spid="_x0000_s3199" name="Image" r:id="rId17" imgW="1828440" imgH="1117440" progId="Photoshop.Image.13">
                       <p:embed/>
                     </p:oleObj>
                   </mc:Choice>
@@ -26733,7 +26733,13 @@
           <a:bodyPr/>
           <a:lstStyle/>
           <a:p>
-            <a:endParaRPr lang="en-US"/>
+            <a:r>
+              <a:rPr lang="fr-FR" cap="all" dirty="0"/>
+              <a:t>ÉCOLE POLYTECHNIQUE FÉDÉRALE DE LAUSANNE</a:t>
+            </a:r>
+          </a:p>
+          <a:p>
+            <a:endParaRPr lang="en-US" dirty="0"/>
           </a:p>
         </p:txBody>
       </p:sp>
@@ -26752,7 +26758,18 @@
           <a:bodyPr/>
           <a:lstStyle/>
           <a:p>
-            <a:endParaRPr lang="en-US"/>
+            <a:r>
+              <a:rPr lang="en-US" dirty="0"/>
+              <a:t>Gergely Odor, Ahmad </a:t>
+            </a:r>
+            <a:r>
+              <a:rPr lang="en-US" dirty="0" err="1"/>
+              <a:t>Ajalloeian</a:t>
+            </a:r>
+            <a:r>
+              <a:rPr lang="en-US" dirty="0"/>
+              <a:t>, Ramtin Yazdanian</a:t>
+            </a:r>
           </a:p>
         </p:txBody>
       </p:sp>
@@ -26766,14 +26783,22 @@
             <p:ph type="body" sz="quarter" idx="153"/>
           </p:nvPr>
         </p:nvSpPr>
-        <p:spPr/>
+        <p:spPr>
+          <a:xfrm>
+            <a:off x="3719945" y="285455"/>
+            <a:ext cx="36451309" cy="1637973"/>
+          </a:xfrm>
+        </p:spPr>
         <p:txBody>
           <a:bodyPr>
-            <a:normAutofit fontScale="92500" lnSpcReduction="10000"/>
+            <a:normAutofit fontScale="70000" lnSpcReduction="20000"/>
           </a:bodyPr>
           <a:lstStyle/>
           <a:p>
-            <a:endParaRPr lang="en-US" dirty="0"/>
+            <a:r>
+              <a:rPr lang="en-US" dirty="0"/>
+              <a:t>Unsupervised detection of cultural boundaries and political events using Twitter data</a:t>
+            </a:r>
           </a:p>
         </p:txBody>
       </p:sp>
